--- a/ppt 16-9/1150.盼望永恒国度.pptx
+++ b/ppt 16-9/1150.盼望永恒国度.pptx
@@ -5,7 +5,7 @@
     <p:sldMasterId id="2147483648" r:id="rId1"/>
   </p:sldMasterIdLst>
   <p:sldIdLst>
-    <p:sldId id="644" r:id="rId2"/>
+    <p:sldId id="645" r:id="rId2"/>
   </p:sldIdLst>
   <p:sldSz cx="12192000" cy="6858000"/>
   <p:notesSz cx="6858000" cy="9144000"/>
@@ -129,7 +129,7 @@
           <p:cNvPr id="2" name="标题 1">
             <a:extLst>
               <a:ext uri="{FF2B5EF4-FFF2-40B4-BE49-F238E27FC236}">
-                <a16:creationId xmlns:a16="http://schemas.microsoft.com/office/drawing/2014/main" id="{D68D60EA-415D-F659-8F16-3A440D269D09}"/>
+                <a16:creationId xmlns:a16="http://schemas.microsoft.com/office/drawing/2014/main" id="{0E903833-0C1B-B347-6CDA-8B1F19A82A7F}"/>
               </a:ext>
             </a:extLst>
           </p:cNvPr>
@@ -166,7 +166,7 @@
           <p:cNvPr id="3" name="副标题 2">
             <a:extLst>
               <a:ext uri="{FF2B5EF4-FFF2-40B4-BE49-F238E27FC236}">
-                <a16:creationId xmlns:a16="http://schemas.microsoft.com/office/drawing/2014/main" id="{0354CF55-EAD0-DFD0-7320-F23B5793F028}"/>
+                <a16:creationId xmlns:a16="http://schemas.microsoft.com/office/drawing/2014/main" id="{4DC26EE0-C895-497E-A282-7CF3B4FD9F20}"/>
               </a:ext>
             </a:extLst>
           </p:cNvPr>
@@ -236,7 +236,7 @@
           <p:cNvPr id="4" name="日期占位符 3">
             <a:extLst>
               <a:ext uri="{FF2B5EF4-FFF2-40B4-BE49-F238E27FC236}">
-                <a16:creationId xmlns:a16="http://schemas.microsoft.com/office/drawing/2014/main" id="{D3571B98-CEA3-05DF-7A15-505ECDE0E989}"/>
+                <a16:creationId xmlns:a16="http://schemas.microsoft.com/office/drawing/2014/main" id="{1BD2546A-DBD6-3BF1-D0C3-44D0D96856E0}"/>
               </a:ext>
             </a:extLst>
           </p:cNvPr>
@@ -252,7 +252,7 @@
           <a:bodyPr/>
           <a:lstStyle/>
           <a:p>
-            <a:fld id="{B68B7653-7AEF-42AF-9335-546C56168CA3}" type="datetimeFigureOut">
+            <a:fld id="{560E4F45-57F9-4D06-BEDB-F3140C43AD89}" type="datetimeFigureOut">
               <a:rPr lang="zh-CN" altLang="en-US" smtClean="0"/>
               <a:t>2024/3/10</a:t>
             </a:fld>
@@ -265,7 +265,7 @@
           <p:cNvPr id="5" name="页脚占位符 4">
             <a:extLst>
               <a:ext uri="{FF2B5EF4-FFF2-40B4-BE49-F238E27FC236}">
-                <a16:creationId xmlns:a16="http://schemas.microsoft.com/office/drawing/2014/main" id="{E27362C6-AFA4-557C-2F91-AA1544E3AC45}"/>
+                <a16:creationId xmlns:a16="http://schemas.microsoft.com/office/drawing/2014/main" id="{0A985050-3990-AFCE-764B-80209047BD85}"/>
               </a:ext>
             </a:extLst>
           </p:cNvPr>
@@ -290,7 +290,7 @@
           <p:cNvPr id="6" name="灯片编号占位符 5">
             <a:extLst>
               <a:ext uri="{FF2B5EF4-FFF2-40B4-BE49-F238E27FC236}">
-                <a16:creationId xmlns:a16="http://schemas.microsoft.com/office/drawing/2014/main" id="{40BFED50-C8B6-0425-71EB-C6317D8B7E9E}"/>
+                <a16:creationId xmlns:a16="http://schemas.microsoft.com/office/drawing/2014/main" id="{08C6F6D6-1563-7599-F7B4-EB45024B877B}"/>
               </a:ext>
             </a:extLst>
           </p:cNvPr>
@@ -306,7 +306,7 @@
           <a:bodyPr/>
           <a:lstStyle/>
           <a:p>
-            <a:fld id="{0DEA6F05-A7C1-4A8C-B9E2-9F34F45C5368}" type="slidenum">
+            <a:fld id="{D9757EFF-6B4C-4CAB-9907-5606FD3A8154}" type="slidenum">
               <a:rPr lang="zh-CN" altLang="en-US" smtClean="0"/>
               <a:t>‹#›</a:t>
             </a:fld>
@@ -317,7 +317,7 @@
     </p:spTree>
     <p:extLst>
       <p:ext uri="{BB962C8B-B14F-4D97-AF65-F5344CB8AC3E}">
-        <p14:creationId xmlns:p14="http://schemas.microsoft.com/office/powerpoint/2010/main" val="3425045536"/>
+        <p14:creationId xmlns:p14="http://schemas.microsoft.com/office/powerpoint/2010/main" val="4173802618"/>
       </p:ext>
     </p:extLst>
   </p:cSld>
@@ -349,7 +349,7 @@
           <p:cNvPr id="2" name="标题 1">
             <a:extLst>
               <a:ext uri="{FF2B5EF4-FFF2-40B4-BE49-F238E27FC236}">
-                <a16:creationId xmlns:a16="http://schemas.microsoft.com/office/drawing/2014/main" id="{75D47FB4-7A4E-5AC7-35E5-72B6CE0AB7A6}"/>
+                <a16:creationId xmlns:a16="http://schemas.microsoft.com/office/drawing/2014/main" id="{6E18EC71-C5A5-B651-F3AE-52D84149BDF2}"/>
               </a:ext>
             </a:extLst>
           </p:cNvPr>
@@ -377,7 +377,7 @@
           <p:cNvPr id="3" name="竖排文字占位符 2">
             <a:extLst>
               <a:ext uri="{FF2B5EF4-FFF2-40B4-BE49-F238E27FC236}">
-                <a16:creationId xmlns:a16="http://schemas.microsoft.com/office/drawing/2014/main" id="{A604F6D7-BA7C-15FE-B6EA-6CF709CA0786}"/>
+                <a16:creationId xmlns:a16="http://schemas.microsoft.com/office/drawing/2014/main" id="{DE4213E6-A449-0729-59E0-B66FB0C71096}"/>
               </a:ext>
             </a:extLst>
           </p:cNvPr>
@@ -434,7 +434,7 @@
           <p:cNvPr id="4" name="日期占位符 3">
             <a:extLst>
               <a:ext uri="{FF2B5EF4-FFF2-40B4-BE49-F238E27FC236}">
-                <a16:creationId xmlns:a16="http://schemas.microsoft.com/office/drawing/2014/main" id="{D94EE2F0-19A6-C97B-56B8-B93DF407E83C}"/>
+                <a16:creationId xmlns:a16="http://schemas.microsoft.com/office/drawing/2014/main" id="{7DF0DD5B-D3BD-E852-F225-91BF415304DD}"/>
               </a:ext>
             </a:extLst>
           </p:cNvPr>
@@ -450,7 +450,7 @@
           <a:bodyPr/>
           <a:lstStyle/>
           <a:p>
-            <a:fld id="{B68B7653-7AEF-42AF-9335-546C56168CA3}" type="datetimeFigureOut">
+            <a:fld id="{560E4F45-57F9-4D06-BEDB-F3140C43AD89}" type="datetimeFigureOut">
               <a:rPr lang="zh-CN" altLang="en-US" smtClean="0"/>
               <a:t>2024/3/10</a:t>
             </a:fld>
@@ -463,7 +463,7 @@
           <p:cNvPr id="5" name="页脚占位符 4">
             <a:extLst>
               <a:ext uri="{FF2B5EF4-FFF2-40B4-BE49-F238E27FC236}">
-                <a16:creationId xmlns:a16="http://schemas.microsoft.com/office/drawing/2014/main" id="{944469C6-5733-3801-E3AA-05AE518F0123}"/>
+                <a16:creationId xmlns:a16="http://schemas.microsoft.com/office/drawing/2014/main" id="{15618576-5F9B-4C34-83FA-9597EF5086D4}"/>
               </a:ext>
             </a:extLst>
           </p:cNvPr>
@@ -488,7 +488,7 @@
           <p:cNvPr id="6" name="灯片编号占位符 5">
             <a:extLst>
               <a:ext uri="{FF2B5EF4-FFF2-40B4-BE49-F238E27FC236}">
-                <a16:creationId xmlns:a16="http://schemas.microsoft.com/office/drawing/2014/main" id="{8FC3A36F-FFF0-F33D-742B-8D8978956077}"/>
+                <a16:creationId xmlns:a16="http://schemas.microsoft.com/office/drawing/2014/main" id="{5D21316D-80E0-F4AD-DA69-721DA91D4374}"/>
               </a:ext>
             </a:extLst>
           </p:cNvPr>
@@ -504,7 +504,7 @@
           <a:bodyPr/>
           <a:lstStyle/>
           <a:p>
-            <a:fld id="{0DEA6F05-A7C1-4A8C-B9E2-9F34F45C5368}" type="slidenum">
+            <a:fld id="{D9757EFF-6B4C-4CAB-9907-5606FD3A8154}" type="slidenum">
               <a:rPr lang="zh-CN" altLang="en-US" smtClean="0"/>
               <a:t>‹#›</a:t>
             </a:fld>
@@ -515,7 +515,7 @@
     </p:spTree>
     <p:extLst>
       <p:ext uri="{BB962C8B-B14F-4D97-AF65-F5344CB8AC3E}">
-        <p14:creationId xmlns:p14="http://schemas.microsoft.com/office/powerpoint/2010/main" val="526561008"/>
+        <p14:creationId xmlns:p14="http://schemas.microsoft.com/office/powerpoint/2010/main" val="3559716465"/>
       </p:ext>
     </p:extLst>
   </p:cSld>
@@ -547,7 +547,7 @@
           <p:cNvPr id="2" name="竖排标题 1">
             <a:extLst>
               <a:ext uri="{FF2B5EF4-FFF2-40B4-BE49-F238E27FC236}">
-                <a16:creationId xmlns:a16="http://schemas.microsoft.com/office/drawing/2014/main" id="{C72F54E7-3003-7FEB-922F-E855EE7ABC6B}"/>
+                <a16:creationId xmlns:a16="http://schemas.microsoft.com/office/drawing/2014/main" id="{53A14C3F-9D65-4D81-0BA4-1817E4534F36}"/>
               </a:ext>
             </a:extLst>
           </p:cNvPr>
@@ -580,7 +580,7 @@
           <p:cNvPr id="3" name="竖排文字占位符 2">
             <a:extLst>
               <a:ext uri="{FF2B5EF4-FFF2-40B4-BE49-F238E27FC236}">
-                <a16:creationId xmlns:a16="http://schemas.microsoft.com/office/drawing/2014/main" id="{2B4E301A-D182-4C22-D6DC-D66D87905687}"/>
+                <a16:creationId xmlns:a16="http://schemas.microsoft.com/office/drawing/2014/main" id="{6C1EB970-CB72-3A7C-CE0C-493F9962F185}"/>
               </a:ext>
             </a:extLst>
           </p:cNvPr>
@@ -642,7 +642,7 @@
           <p:cNvPr id="4" name="日期占位符 3">
             <a:extLst>
               <a:ext uri="{FF2B5EF4-FFF2-40B4-BE49-F238E27FC236}">
-                <a16:creationId xmlns:a16="http://schemas.microsoft.com/office/drawing/2014/main" id="{1449F471-9531-0213-D135-2FBA8F0BECCA}"/>
+                <a16:creationId xmlns:a16="http://schemas.microsoft.com/office/drawing/2014/main" id="{0DF57281-0538-1BD1-DB74-EA2325F80F6E}"/>
               </a:ext>
             </a:extLst>
           </p:cNvPr>
@@ -658,7 +658,7 @@
           <a:bodyPr/>
           <a:lstStyle/>
           <a:p>
-            <a:fld id="{B68B7653-7AEF-42AF-9335-546C56168CA3}" type="datetimeFigureOut">
+            <a:fld id="{560E4F45-57F9-4D06-BEDB-F3140C43AD89}" type="datetimeFigureOut">
               <a:rPr lang="zh-CN" altLang="en-US" smtClean="0"/>
               <a:t>2024/3/10</a:t>
             </a:fld>
@@ -671,7 +671,7 @@
           <p:cNvPr id="5" name="页脚占位符 4">
             <a:extLst>
               <a:ext uri="{FF2B5EF4-FFF2-40B4-BE49-F238E27FC236}">
-                <a16:creationId xmlns:a16="http://schemas.microsoft.com/office/drawing/2014/main" id="{6AB65F76-E877-2CFA-CBEE-8CCDD9540437}"/>
+                <a16:creationId xmlns:a16="http://schemas.microsoft.com/office/drawing/2014/main" id="{4FB82BE3-877B-A51B-75CE-57E1BD1AE0DF}"/>
               </a:ext>
             </a:extLst>
           </p:cNvPr>
@@ -696,7 +696,7 @@
           <p:cNvPr id="6" name="灯片编号占位符 5">
             <a:extLst>
               <a:ext uri="{FF2B5EF4-FFF2-40B4-BE49-F238E27FC236}">
-                <a16:creationId xmlns:a16="http://schemas.microsoft.com/office/drawing/2014/main" id="{97544F55-CF93-AC7B-4F53-1B96D820A54F}"/>
+                <a16:creationId xmlns:a16="http://schemas.microsoft.com/office/drawing/2014/main" id="{1BD00CA1-5854-37D4-9EEB-9D308E915FA2}"/>
               </a:ext>
             </a:extLst>
           </p:cNvPr>
@@ -712,7 +712,7 @@
           <a:bodyPr/>
           <a:lstStyle/>
           <a:p>
-            <a:fld id="{0DEA6F05-A7C1-4A8C-B9E2-9F34F45C5368}" type="slidenum">
+            <a:fld id="{D9757EFF-6B4C-4CAB-9907-5606FD3A8154}" type="slidenum">
               <a:rPr lang="zh-CN" altLang="en-US" smtClean="0"/>
               <a:t>‹#›</a:t>
             </a:fld>
@@ -723,7 +723,7 @@
     </p:spTree>
     <p:extLst>
       <p:ext uri="{BB962C8B-B14F-4D97-AF65-F5344CB8AC3E}">
-        <p14:creationId xmlns:p14="http://schemas.microsoft.com/office/powerpoint/2010/main" val="2851931984"/>
+        <p14:creationId xmlns:p14="http://schemas.microsoft.com/office/powerpoint/2010/main" val="1510230918"/>
       </p:ext>
     </p:extLst>
   </p:cSld>
@@ -755,7 +755,7 @@
           <p:cNvPr id="2" name="标题 1">
             <a:extLst>
               <a:ext uri="{FF2B5EF4-FFF2-40B4-BE49-F238E27FC236}">
-                <a16:creationId xmlns:a16="http://schemas.microsoft.com/office/drawing/2014/main" id="{779A2D61-D403-6001-46FF-7D3CF84FC20B}"/>
+                <a16:creationId xmlns:a16="http://schemas.microsoft.com/office/drawing/2014/main" id="{E30EA863-D012-24AC-E0ED-5EEB6A81F9D9}"/>
               </a:ext>
             </a:extLst>
           </p:cNvPr>
@@ -783,7 +783,7 @@
           <p:cNvPr id="3" name="内容占位符 2">
             <a:extLst>
               <a:ext uri="{FF2B5EF4-FFF2-40B4-BE49-F238E27FC236}">
-                <a16:creationId xmlns:a16="http://schemas.microsoft.com/office/drawing/2014/main" id="{1F4D8577-D72B-054C-8FF1-84303E881430}"/>
+                <a16:creationId xmlns:a16="http://schemas.microsoft.com/office/drawing/2014/main" id="{271ED6D4-DACE-4E7D-6F98-58D65E2CB37E}"/>
               </a:ext>
             </a:extLst>
           </p:cNvPr>
@@ -840,7 +840,7 @@
           <p:cNvPr id="4" name="日期占位符 3">
             <a:extLst>
               <a:ext uri="{FF2B5EF4-FFF2-40B4-BE49-F238E27FC236}">
-                <a16:creationId xmlns:a16="http://schemas.microsoft.com/office/drawing/2014/main" id="{7D233996-413D-09DC-E7E0-A6D1B7A585EA}"/>
+                <a16:creationId xmlns:a16="http://schemas.microsoft.com/office/drawing/2014/main" id="{06838E50-E40D-08A8-335C-E70E0ED96610}"/>
               </a:ext>
             </a:extLst>
           </p:cNvPr>
@@ -856,7 +856,7 @@
           <a:bodyPr/>
           <a:lstStyle/>
           <a:p>
-            <a:fld id="{B68B7653-7AEF-42AF-9335-546C56168CA3}" type="datetimeFigureOut">
+            <a:fld id="{560E4F45-57F9-4D06-BEDB-F3140C43AD89}" type="datetimeFigureOut">
               <a:rPr lang="zh-CN" altLang="en-US" smtClean="0"/>
               <a:t>2024/3/10</a:t>
             </a:fld>
@@ -869,7 +869,7 @@
           <p:cNvPr id="5" name="页脚占位符 4">
             <a:extLst>
               <a:ext uri="{FF2B5EF4-FFF2-40B4-BE49-F238E27FC236}">
-                <a16:creationId xmlns:a16="http://schemas.microsoft.com/office/drawing/2014/main" id="{764D4246-FF54-A62C-FA02-36EC9B39C72E}"/>
+                <a16:creationId xmlns:a16="http://schemas.microsoft.com/office/drawing/2014/main" id="{6388BB7B-F832-228C-FED4-904267E2A8E3}"/>
               </a:ext>
             </a:extLst>
           </p:cNvPr>
@@ -894,7 +894,7 @@
           <p:cNvPr id="6" name="灯片编号占位符 5">
             <a:extLst>
               <a:ext uri="{FF2B5EF4-FFF2-40B4-BE49-F238E27FC236}">
-                <a16:creationId xmlns:a16="http://schemas.microsoft.com/office/drawing/2014/main" id="{5B1F4C05-E44D-699E-21D3-6B88FDBE87C5}"/>
+                <a16:creationId xmlns:a16="http://schemas.microsoft.com/office/drawing/2014/main" id="{368EEF69-FBE6-54AA-04F1-7FDBD031A7BC}"/>
               </a:ext>
             </a:extLst>
           </p:cNvPr>
@@ -910,7 +910,7 @@
           <a:bodyPr/>
           <a:lstStyle/>
           <a:p>
-            <a:fld id="{0DEA6F05-A7C1-4A8C-B9E2-9F34F45C5368}" type="slidenum">
+            <a:fld id="{D9757EFF-6B4C-4CAB-9907-5606FD3A8154}" type="slidenum">
               <a:rPr lang="zh-CN" altLang="en-US" smtClean="0"/>
               <a:t>‹#›</a:t>
             </a:fld>
@@ -921,7 +921,7 @@
     </p:spTree>
     <p:extLst>
       <p:ext uri="{BB962C8B-B14F-4D97-AF65-F5344CB8AC3E}">
-        <p14:creationId xmlns:p14="http://schemas.microsoft.com/office/powerpoint/2010/main" val="220034563"/>
+        <p14:creationId xmlns:p14="http://schemas.microsoft.com/office/powerpoint/2010/main" val="328822730"/>
       </p:ext>
     </p:extLst>
   </p:cSld>
@@ -953,7 +953,7 @@
           <p:cNvPr id="2" name="标题 1">
             <a:extLst>
               <a:ext uri="{FF2B5EF4-FFF2-40B4-BE49-F238E27FC236}">
-                <a16:creationId xmlns:a16="http://schemas.microsoft.com/office/drawing/2014/main" id="{975F92F0-5011-BB44-DA5B-FCFF42D7644A}"/>
+                <a16:creationId xmlns:a16="http://schemas.microsoft.com/office/drawing/2014/main" id="{D085C99A-8601-0DC9-D94A-A574D379EE38}"/>
               </a:ext>
             </a:extLst>
           </p:cNvPr>
@@ -990,7 +990,7 @@
           <p:cNvPr id="3" name="文本占位符 2">
             <a:extLst>
               <a:ext uri="{FF2B5EF4-FFF2-40B4-BE49-F238E27FC236}">
-                <a16:creationId xmlns:a16="http://schemas.microsoft.com/office/drawing/2014/main" id="{4525EF67-212C-82A1-4171-F8AF9396BB0E}"/>
+                <a16:creationId xmlns:a16="http://schemas.microsoft.com/office/drawing/2014/main" id="{D17D97B1-2728-8580-8D75-A20D07C1C9F4}"/>
               </a:ext>
             </a:extLst>
           </p:cNvPr>
@@ -1115,7 +1115,7 @@
           <p:cNvPr id="4" name="日期占位符 3">
             <a:extLst>
               <a:ext uri="{FF2B5EF4-FFF2-40B4-BE49-F238E27FC236}">
-                <a16:creationId xmlns:a16="http://schemas.microsoft.com/office/drawing/2014/main" id="{D5435F60-96D8-92B0-B7D3-BDF7D21B08B9}"/>
+                <a16:creationId xmlns:a16="http://schemas.microsoft.com/office/drawing/2014/main" id="{8BA59AA4-2D56-A41C-267F-7C12BA658B6E}"/>
               </a:ext>
             </a:extLst>
           </p:cNvPr>
@@ -1131,7 +1131,7 @@
           <a:bodyPr/>
           <a:lstStyle/>
           <a:p>
-            <a:fld id="{B68B7653-7AEF-42AF-9335-546C56168CA3}" type="datetimeFigureOut">
+            <a:fld id="{560E4F45-57F9-4D06-BEDB-F3140C43AD89}" type="datetimeFigureOut">
               <a:rPr lang="zh-CN" altLang="en-US" smtClean="0"/>
               <a:t>2024/3/10</a:t>
             </a:fld>
@@ -1144,7 +1144,7 @@
           <p:cNvPr id="5" name="页脚占位符 4">
             <a:extLst>
               <a:ext uri="{FF2B5EF4-FFF2-40B4-BE49-F238E27FC236}">
-                <a16:creationId xmlns:a16="http://schemas.microsoft.com/office/drawing/2014/main" id="{60D7A50A-6358-5624-223C-F93CB8116B20}"/>
+                <a16:creationId xmlns:a16="http://schemas.microsoft.com/office/drawing/2014/main" id="{B41A9E3C-DE9E-9D68-43D8-85A60A671DA3}"/>
               </a:ext>
             </a:extLst>
           </p:cNvPr>
@@ -1169,7 +1169,7 @@
           <p:cNvPr id="6" name="灯片编号占位符 5">
             <a:extLst>
               <a:ext uri="{FF2B5EF4-FFF2-40B4-BE49-F238E27FC236}">
-                <a16:creationId xmlns:a16="http://schemas.microsoft.com/office/drawing/2014/main" id="{E456BB6E-B683-CB7A-2D7D-7E87ABDCE868}"/>
+                <a16:creationId xmlns:a16="http://schemas.microsoft.com/office/drawing/2014/main" id="{107DA899-81CA-8316-E2AE-67ADABFE14D9}"/>
               </a:ext>
             </a:extLst>
           </p:cNvPr>
@@ -1185,7 +1185,7 @@
           <a:bodyPr/>
           <a:lstStyle/>
           <a:p>
-            <a:fld id="{0DEA6F05-A7C1-4A8C-B9E2-9F34F45C5368}" type="slidenum">
+            <a:fld id="{D9757EFF-6B4C-4CAB-9907-5606FD3A8154}" type="slidenum">
               <a:rPr lang="zh-CN" altLang="en-US" smtClean="0"/>
               <a:t>‹#›</a:t>
             </a:fld>
@@ -1196,7 +1196,7 @@
     </p:spTree>
     <p:extLst>
       <p:ext uri="{BB962C8B-B14F-4D97-AF65-F5344CB8AC3E}">
-        <p14:creationId xmlns:p14="http://schemas.microsoft.com/office/powerpoint/2010/main" val="693958638"/>
+        <p14:creationId xmlns:p14="http://schemas.microsoft.com/office/powerpoint/2010/main" val="3630801846"/>
       </p:ext>
     </p:extLst>
   </p:cSld>
@@ -1228,7 +1228,7 @@
           <p:cNvPr id="2" name="标题 1">
             <a:extLst>
               <a:ext uri="{FF2B5EF4-FFF2-40B4-BE49-F238E27FC236}">
-                <a16:creationId xmlns:a16="http://schemas.microsoft.com/office/drawing/2014/main" id="{C7DF5537-9A1D-6B9A-21DD-E4190AE3D1F2}"/>
+                <a16:creationId xmlns:a16="http://schemas.microsoft.com/office/drawing/2014/main" id="{BDC58BFF-3C5D-39CE-105A-123D8CBB61F3}"/>
               </a:ext>
             </a:extLst>
           </p:cNvPr>
@@ -1256,7 +1256,7 @@
           <p:cNvPr id="3" name="内容占位符 2">
             <a:extLst>
               <a:ext uri="{FF2B5EF4-FFF2-40B4-BE49-F238E27FC236}">
-                <a16:creationId xmlns:a16="http://schemas.microsoft.com/office/drawing/2014/main" id="{1725059E-6972-DC42-3025-DEA3ECBE4F11}"/>
+                <a16:creationId xmlns:a16="http://schemas.microsoft.com/office/drawing/2014/main" id="{B3A72136-0DFD-10D2-8CAE-6AB90C7E676E}"/>
               </a:ext>
             </a:extLst>
           </p:cNvPr>
@@ -1318,7 +1318,7 @@
           <p:cNvPr id="4" name="内容占位符 3">
             <a:extLst>
               <a:ext uri="{FF2B5EF4-FFF2-40B4-BE49-F238E27FC236}">
-                <a16:creationId xmlns:a16="http://schemas.microsoft.com/office/drawing/2014/main" id="{E14F3EC2-6C07-00A9-FCB5-C426775EF896}"/>
+                <a16:creationId xmlns:a16="http://schemas.microsoft.com/office/drawing/2014/main" id="{A92C8A8A-B73F-8C43-4646-2EFCDBB82070}"/>
               </a:ext>
             </a:extLst>
           </p:cNvPr>
@@ -1380,7 +1380,7 @@
           <p:cNvPr id="5" name="日期占位符 4">
             <a:extLst>
               <a:ext uri="{FF2B5EF4-FFF2-40B4-BE49-F238E27FC236}">
-                <a16:creationId xmlns:a16="http://schemas.microsoft.com/office/drawing/2014/main" id="{F71B3195-DBE1-4109-6844-860332DC3DA4}"/>
+                <a16:creationId xmlns:a16="http://schemas.microsoft.com/office/drawing/2014/main" id="{744BAE30-D824-0E3D-5660-909A820ACE84}"/>
               </a:ext>
             </a:extLst>
           </p:cNvPr>
@@ -1396,7 +1396,7 @@
           <a:bodyPr/>
           <a:lstStyle/>
           <a:p>
-            <a:fld id="{B68B7653-7AEF-42AF-9335-546C56168CA3}" type="datetimeFigureOut">
+            <a:fld id="{560E4F45-57F9-4D06-BEDB-F3140C43AD89}" type="datetimeFigureOut">
               <a:rPr lang="zh-CN" altLang="en-US" smtClean="0"/>
               <a:t>2024/3/10</a:t>
             </a:fld>
@@ -1409,7 +1409,7 @@
           <p:cNvPr id="6" name="页脚占位符 5">
             <a:extLst>
               <a:ext uri="{FF2B5EF4-FFF2-40B4-BE49-F238E27FC236}">
-                <a16:creationId xmlns:a16="http://schemas.microsoft.com/office/drawing/2014/main" id="{995F1E9A-5FAF-017D-155F-ABDB953EA610}"/>
+                <a16:creationId xmlns:a16="http://schemas.microsoft.com/office/drawing/2014/main" id="{2F5E4660-B339-4479-AEBA-59D524F79D7B}"/>
               </a:ext>
             </a:extLst>
           </p:cNvPr>
@@ -1434,7 +1434,7 @@
           <p:cNvPr id="7" name="灯片编号占位符 6">
             <a:extLst>
               <a:ext uri="{FF2B5EF4-FFF2-40B4-BE49-F238E27FC236}">
-                <a16:creationId xmlns:a16="http://schemas.microsoft.com/office/drawing/2014/main" id="{87E36ADD-E77B-097A-60F6-742E7859A090}"/>
+                <a16:creationId xmlns:a16="http://schemas.microsoft.com/office/drawing/2014/main" id="{B9FE3759-5BF9-90F5-0E3D-97D2E5F75A78}"/>
               </a:ext>
             </a:extLst>
           </p:cNvPr>
@@ -1450,7 +1450,7 @@
           <a:bodyPr/>
           <a:lstStyle/>
           <a:p>
-            <a:fld id="{0DEA6F05-A7C1-4A8C-B9E2-9F34F45C5368}" type="slidenum">
+            <a:fld id="{D9757EFF-6B4C-4CAB-9907-5606FD3A8154}" type="slidenum">
               <a:rPr lang="zh-CN" altLang="en-US" smtClean="0"/>
               <a:t>‹#›</a:t>
             </a:fld>
@@ -1461,7 +1461,7 @@
     </p:spTree>
     <p:extLst>
       <p:ext uri="{BB962C8B-B14F-4D97-AF65-F5344CB8AC3E}">
-        <p14:creationId xmlns:p14="http://schemas.microsoft.com/office/powerpoint/2010/main" val="2773461313"/>
+        <p14:creationId xmlns:p14="http://schemas.microsoft.com/office/powerpoint/2010/main" val="750192349"/>
       </p:ext>
     </p:extLst>
   </p:cSld>
@@ -1493,7 +1493,7 @@
           <p:cNvPr id="2" name="标题 1">
             <a:extLst>
               <a:ext uri="{FF2B5EF4-FFF2-40B4-BE49-F238E27FC236}">
-                <a16:creationId xmlns:a16="http://schemas.microsoft.com/office/drawing/2014/main" id="{D9F536E1-43BB-DB63-A473-503166830A06}"/>
+                <a16:creationId xmlns:a16="http://schemas.microsoft.com/office/drawing/2014/main" id="{DF0D44A4-D3B7-05C7-04BB-D0AD196452B1}"/>
               </a:ext>
             </a:extLst>
           </p:cNvPr>
@@ -1526,7 +1526,7 @@
           <p:cNvPr id="3" name="文本占位符 2">
             <a:extLst>
               <a:ext uri="{FF2B5EF4-FFF2-40B4-BE49-F238E27FC236}">
-                <a16:creationId xmlns:a16="http://schemas.microsoft.com/office/drawing/2014/main" id="{FC79963C-B2BA-61F1-F324-2C4FB9E8D271}"/>
+                <a16:creationId xmlns:a16="http://schemas.microsoft.com/office/drawing/2014/main" id="{F9508302-6D3C-797E-BE41-CA26A2A3A2ED}"/>
               </a:ext>
             </a:extLst>
           </p:cNvPr>
@@ -1597,7 +1597,7 @@
           <p:cNvPr id="4" name="内容占位符 3">
             <a:extLst>
               <a:ext uri="{FF2B5EF4-FFF2-40B4-BE49-F238E27FC236}">
-                <a16:creationId xmlns:a16="http://schemas.microsoft.com/office/drawing/2014/main" id="{141A1BDC-0BD8-6511-1B18-84C6CC543D9E}"/>
+                <a16:creationId xmlns:a16="http://schemas.microsoft.com/office/drawing/2014/main" id="{67AE7EA7-52DF-5A47-A3B5-3C3E1005C8F7}"/>
               </a:ext>
             </a:extLst>
           </p:cNvPr>
@@ -1659,7 +1659,7 @@
           <p:cNvPr id="5" name="文本占位符 4">
             <a:extLst>
               <a:ext uri="{FF2B5EF4-FFF2-40B4-BE49-F238E27FC236}">
-                <a16:creationId xmlns:a16="http://schemas.microsoft.com/office/drawing/2014/main" id="{1EFF8889-6CD0-803E-18B8-323F21655AE2}"/>
+                <a16:creationId xmlns:a16="http://schemas.microsoft.com/office/drawing/2014/main" id="{53496FB6-8245-4461-D0C3-449EA1F75409}"/>
               </a:ext>
             </a:extLst>
           </p:cNvPr>
@@ -1730,7 +1730,7 @@
           <p:cNvPr id="6" name="内容占位符 5">
             <a:extLst>
               <a:ext uri="{FF2B5EF4-FFF2-40B4-BE49-F238E27FC236}">
-                <a16:creationId xmlns:a16="http://schemas.microsoft.com/office/drawing/2014/main" id="{E5069E65-6E35-7E23-BC4A-FAB1D0033614}"/>
+                <a16:creationId xmlns:a16="http://schemas.microsoft.com/office/drawing/2014/main" id="{7EA3BD3C-AA7D-1AE7-B279-2F31617D5701}"/>
               </a:ext>
             </a:extLst>
           </p:cNvPr>
@@ -1792,7 +1792,7 @@
           <p:cNvPr id="7" name="日期占位符 6">
             <a:extLst>
               <a:ext uri="{FF2B5EF4-FFF2-40B4-BE49-F238E27FC236}">
-                <a16:creationId xmlns:a16="http://schemas.microsoft.com/office/drawing/2014/main" id="{0EB19E73-DC36-61EF-03DC-0CA525C14155}"/>
+                <a16:creationId xmlns:a16="http://schemas.microsoft.com/office/drawing/2014/main" id="{2D5FD7F7-A5A9-65DB-C717-56ADCACB23A1}"/>
               </a:ext>
             </a:extLst>
           </p:cNvPr>
@@ -1808,7 +1808,7 @@
           <a:bodyPr/>
           <a:lstStyle/>
           <a:p>
-            <a:fld id="{B68B7653-7AEF-42AF-9335-546C56168CA3}" type="datetimeFigureOut">
+            <a:fld id="{560E4F45-57F9-4D06-BEDB-F3140C43AD89}" type="datetimeFigureOut">
               <a:rPr lang="zh-CN" altLang="en-US" smtClean="0"/>
               <a:t>2024/3/10</a:t>
             </a:fld>
@@ -1821,7 +1821,7 @@
           <p:cNvPr id="8" name="页脚占位符 7">
             <a:extLst>
               <a:ext uri="{FF2B5EF4-FFF2-40B4-BE49-F238E27FC236}">
-                <a16:creationId xmlns:a16="http://schemas.microsoft.com/office/drawing/2014/main" id="{FB0CE72D-9D92-6CCC-D931-E6DAE4DE3050}"/>
+                <a16:creationId xmlns:a16="http://schemas.microsoft.com/office/drawing/2014/main" id="{934561C8-52D9-F528-BF77-E364A047362A}"/>
               </a:ext>
             </a:extLst>
           </p:cNvPr>
@@ -1846,7 +1846,7 @@
           <p:cNvPr id="9" name="灯片编号占位符 8">
             <a:extLst>
               <a:ext uri="{FF2B5EF4-FFF2-40B4-BE49-F238E27FC236}">
-                <a16:creationId xmlns:a16="http://schemas.microsoft.com/office/drawing/2014/main" id="{22EE751A-4C9E-519D-CCB6-69B7CD621ACD}"/>
+                <a16:creationId xmlns:a16="http://schemas.microsoft.com/office/drawing/2014/main" id="{D6E5D2B7-E340-BDB3-9BFE-27E4C7AC0FE2}"/>
               </a:ext>
             </a:extLst>
           </p:cNvPr>
@@ -1862,7 +1862,7 @@
           <a:bodyPr/>
           <a:lstStyle/>
           <a:p>
-            <a:fld id="{0DEA6F05-A7C1-4A8C-B9E2-9F34F45C5368}" type="slidenum">
+            <a:fld id="{D9757EFF-6B4C-4CAB-9907-5606FD3A8154}" type="slidenum">
               <a:rPr lang="zh-CN" altLang="en-US" smtClean="0"/>
               <a:t>‹#›</a:t>
             </a:fld>
@@ -1873,7 +1873,7 @@
     </p:spTree>
     <p:extLst>
       <p:ext uri="{BB962C8B-B14F-4D97-AF65-F5344CB8AC3E}">
-        <p14:creationId xmlns:p14="http://schemas.microsoft.com/office/powerpoint/2010/main" val="1321787074"/>
+        <p14:creationId xmlns:p14="http://schemas.microsoft.com/office/powerpoint/2010/main" val="3194972768"/>
       </p:ext>
     </p:extLst>
   </p:cSld>
@@ -1905,7 +1905,7 @@
           <p:cNvPr id="2" name="标题 1">
             <a:extLst>
               <a:ext uri="{FF2B5EF4-FFF2-40B4-BE49-F238E27FC236}">
-                <a16:creationId xmlns:a16="http://schemas.microsoft.com/office/drawing/2014/main" id="{5220CBF0-A323-8C2D-BE1D-917A4DE752DF}"/>
+                <a16:creationId xmlns:a16="http://schemas.microsoft.com/office/drawing/2014/main" id="{288D5883-16DB-DCCD-725C-3C03A3A93627}"/>
               </a:ext>
             </a:extLst>
           </p:cNvPr>
@@ -1933,7 +1933,7 @@
           <p:cNvPr id="3" name="日期占位符 2">
             <a:extLst>
               <a:ext uri="{FF2B5EF4-FFF2-40B4-BE49-F238E27FC236}">
-                <a16:creationId xmlns:a16="http://schemas.microsoft.com/office/drawing/2014/main" id="{AD1E6715-A65D-F519-70E4-84F14A340AF2}"/>
+                <a16:creationId xmlns:a16="http://schemas.microsoft.com/office/drawing/2014/main" id="{640AA57E-CABF-33B4-3BF4-F5B040F17172}"/>
               </a:ext>
             </a:extLst>
           </p:cNvPr>
@@ -1949,7 +1949,7 @@
           <a:bodyPr/>
           <a:lstStyle/>
           <a:p>
-            <a:fld id="{B68B7653-7AEF-42AF-9335-546C56168CA3}" type="datetimeFigureOut">
+            <a:fld id="{560E4F45-57F9-4D06-BEDB-F3140C43AD89}" type="datetimeFigureOut">
               <a:rPr lang="zh-CN" altLang="en-US" smtClean="0"/>
               <a:t>2024/3/10</a:t>
             </a:fld>
@@ -1962,7 +1962,7 @@
           <p:cNvPr id="4" name="页脚占位符 3">
             <a:extLst>
               <a:ext uri="{FF2B5EF4-FFF2-40B4-BE49-F238E27FC236}">
-                <a16:creationId xmlns:a16="http://schemas.microsoft.com/office/drawing/2014/main" id="{1E59D8C4-9F53-6896-E34F-0351ACD56B89}"/>
+                <a16:creationId xmlns:a16="http://schemas.microsoft.com/office/drawing/2014/main" id="{64150B65-5C76-CFAD-ED18-62FDD8269347}"/>
               </a:ext>
             </a:extLst>
           </p:cNvPr>
@@ -1987,7 +1987,7 @@
           <p:cNvPr id="5" name="灯片编号占位符 4">
             <a:extLst>
               <a:ext uri="{FF2B5EF4-FFF2-40B4-BE49-F238E27FC236}">
-                <a16:creationId xmlns:a16="http://schemas.microsoft.com/office/drawing/2014/main" id="{D7B96118-E852-0F9A-1FEF-7CA301B58245}"/>
+                <a16:creationId xmlns:a16="http://schemas.microsoft.com/office/drawing/2014/main" id="{F7D0FCC5-9535-F268-417A-32F8A46CA03F}"/>
               </a:ext>
             </a:extLst>
           </p:cNvPr>
@@ -2003,7 +2003,7 @@
           <a:bodyPr/>
           <a:lstStyle/>
           <a:p>
-            <a:fld id="{0DEA6F05-A7C1-4A8C-B9E2-9F34F45C5368}" type="slidenum">
+            <a:fld id="{D9757EFF-6B4C-4CAB-9907-5606FD3A8154}" type="slidenum">
               <a:rPr lang="zh-CN" altLang="en-US" smtClean="0"/>
               <a:t>‹#›</a:t>
             </a:fld>
@@ -2014,7 +2014,7 @@
     </p:spTree>
     <p:extLst>
       <p:ext uri="{BB962C8B-B14F-4D97-AF65-F5344CB8AC3E}">
-        <p14:creationId xmlns:p14="http://schemas.microsoft.com/office/powerpoint/2010/main" val="230930076"/>
+        <p14:creationId xmlns:p14="http://schemas.microsoft.com/office/powerpoint/2010/main" val="3436164183"/>
       </p:ext>
     </p:extLst>
   </p:cSld>
@@ -2046,7 +2046,7 @@
           <p:cNvPr id="2" name="日期占位符 1">
             <a:extLst>
               <a:ext uri="{FF2B5EF4-FFF2-40B4-BE49-F238E27FC236}">
-                <a16:creationId xmlns:a16="http://schemas.microsoft.com/office/drawing/2014/main" id="{F0A3C6E2-8F6E-54F8-26C1-D52B8C484548}"/>
+                <a16:creationId xmlns:a16="http://schemas.microsoft.com/office/drawing/2014/main" id="{C4D707B7-64EE-A480-12D9-088785AB1D81}"/>
               </a:ext>
             </a:extLst>
           </p:cNvPr>
@@ -2062,7 +2062,7 @@
           <a:bodyPr/>
           <a:lstStyle/>
           <a:p>
-            <a:fld id="{B68B7653-7AEF-42AF-9335-546C56168CA3}" type="datetimeFigureOut">
+            <a:fld id="{560E4F45-57F9-4D06-BEDB-F3140C43AD89}" type="datetimeFigureOut">
               <a:rPr lang="zh-CN" altLang="en-US" smtClean="0"/>
               <a:t>2024/3/10</a:t>
             </a:fld>
@@ -2075,7 +2075,7 @@
           <p:cNvPr id="3" name="页脚占位符 2">
             <a:extLst>
               <a:ext uri="{FF2B5EF4-FFF2-40B4-BE49-F238E27FC236}">
-                <a16:creationId xmlns:a16="http://schemas.microsoft.com/office/drawing/2014/main" id="{F823B24B-CB15-3AB5-A87D-2B9BEABC3C68}"/>
+                <a16:creationId xmlns:a16="http://schemas.microsoft.com/office/drawing/2014/main" id="{CDA53EFC-55D8-E0A0-F1D8-1A63D9738BB4}"/>
               </a:ext>
             </a:extLst>
           </p:cNvPr>
@@ -2100,7 +2100,7 @@
           <p:cNvPr id="4" name="灯片编号占位符 3">
             <a:extLst>
               <a:ext uri="{FF2B5EF4-FFF2-40B4-BE49-F238E27FC236}">
-                <a16:creationId xmlns:a16="http://schemas.microsoft.com/office/drawing/2014/main" id="{DFE57C6E-16B9-697E-B4F8-B3426F1CA251}"/>
+                <a16:creationId xmlns:a16="http://schemas.microsoft.com/office/drawing/2014/main" id="{2F2C88B7-AAA5-2988-59AD-FDE67114E826}"/>
               </a:ext>
             </a:extLst>
           </p:cNvPr>
@@ -2116,7 +2116,7 @@
           <a:bodyPr/>
           <a:lstStyle/>
           <a:p>
-            <a:fld id="{0DEA6F05-A7C1-4A8C-B9E2-9F34F45C5368}" type="slidenum">
+            <a:fld id="{D9757EFF-6B4C-4CAB-9907-5606FD3A8154}" type="slidenum">
               <a:rPr lang="zh-CN" altLang="en-US" smtClean="0"/>
               <a:t>‹#›</a:t>
             </a:fld>
@@ -2127,7 +2127,7 @@
     </p:spTree>
     <p:extLst>
       <p:ext uri="{BB962C8B-B14F-4D97-AF65-F5344CB8AC3E}">
-        <p14:creationId xmlns:p14="http://schemas.microsoft.com/office/powerpoint/2010/main" val="2656302790"/>
+        <p14:creationId xmlns:p14="http://schemas.microsoft.com/office/powerpoint/2010/main" val="2756413872"/>
       </p:ext>
     </p:extLst>
   </p:cSld>
@@ -2159,7 +2159,7 @@
           <p:cNvPr id="2" name="标题 1">
             <a:extLst>
               <a:ext uri="{FF2B5EF4-FFF2-40B4-BE49-F238E27FC236}">
-                <a16:creationId xmlns:a16="http://schemas.microsoft.com/office/drawing/2014/main" id="{044CF2FE-69D2-3A0C-06E0-F8902B1579ED}"/>
+                <a16:creationId xmlns:a16="http://schemas.microsoft.com/office/drawing/2014/main" id="{2199679C-CCCD-87E8-451F-ECFEBF41D1F5}"/>
               </a:ext>
             </a:extLst>
           </p:cNvPr>
@@ -2196,7 +2196,7 @@
           <p:cNvPr id="3" name="内容占位符 2">
             <a:extLst>
               <a:ext uri="{FF2B5EF4-FFF2-40B4-BE49-F238E27FC236}">
-                <a16:creationId xmlns:a16="http://schemas.microsoft.com/office/drawing/2014/main" id="{48C28B9A-1846-C8E3-628C-3295795C6170}"/>
+                <a16:creationId xmlns:a16="http://schemas.microsoft.com/office/drawing/2014/main" id="{2F513C33-7C81-2157-0FB4-683E68552466}"/>
               </a:ext>
             </a:extLst>
           </p:cNvPr>
@@ -2286,7 +2286,7 @@
           <p:cNvPr id="4" name="文本占位符 3">
             <a:extLst>
               <a:ext uri="{FF2B5EF4-FFF2-40B4-BE49-F238E27FC236}">
-                <a16:creationId xmlns:a16="http://schemas.microsoft.com/office/drawing/2014/main" id="{F81F8ABA-D916-32E1-F6E3-B94DD84B89F5}"/>
+                <a16:creationId xmlns:a16="http://schemas.microsoft.com/office/drawing/2014/main" id="{1CE40A0A-3E16-72F1-C275-86931D946828}"/>
               </a:ext>
             </a:extLst>
           </p:cNvPr>
@@ -2357,7 +2357,7 @@
           <p:cNvPr id="5" name="日期占位符 4">
             <a:extLst>
               <a:ext uri="{FF2B5EF4-FFF2-40B4-BE49-F238E27FC236}">
-                <a16:creationId xmlns:a16="http://schemas.microsoft.com/office/drawing/2014/main" id="{57DDF71D-777D-9E70-3264-B907AB17C057}"/>
+                <a16:creationId xmlns:a16="http://schemas.microsoft.com/office/drawing/2014/main" id="{A5B8887D-2C7A-4A92-B2ED-19C0BC83FF8C}"/>
               </a:ext>
             </a:extLst>
           </p:cNvPr>
@@ -2373,7 +2373,7 @@
           <a:bodyPr/>
           <a:lstStyle/>
           <a:p>
-            <a:fld id="{B68B7653-7AEF-42AF-9335-546C56168CA3}" type="datetimeFigureOut">
+            <a:fld id="{560E4F45-57F9-4D06-BEDB-F3140C43AD89}" type="datetimeFigureOut">
               <a:rPr lang="zh-CN" altLang="en-US" smtClean="0"/>
               <a:t>2024/3/10</a:t>
             </a:fld>
@@ -2386,7 +2386,7 @@
           <p:cNvPr id="6" name="页脚占位符 5">
             <a:extLst>
               <a:ext uri="{FF2B5EF4-FFF2-40B4-BE49-F238E27FC236}">
-                <a16:creationId xmlns:a16="http://schemas.microsoft.com/office/drawing/2014/main" id="{6881BD4E-C0AB-8B48-2159-8075EB25B25B}"/>
+                <a16:creationId xmlns:a16="http://schemas.microsoft.com/office/drawing/2014/main" id="{500C6054-F765-F486-E8E2-6382764E82A3}"/>
               </a:ext>
             </a:extLst>
           </p:cNvPr>
@@ -2411,7 +2411,7 @@
           <p:cNvPr id="7" name="灯片编号占位符 6">
             <a:extLst>
               <a:ext uri="{FF2B5EF4-FFF2-40B4-BE49-F238E27FC236}">
-                <a16:creationId xmlns:a16="http://schemas.microsoft.com/office/drawing/2014/main" id="{6D357FB1-3204-BB48-5911-7FA1D4A3271B}"/>
+                <a16:creationId xmlns:a16="http://schemas.microsoft.com/office/drawing/2014/main" id="{0F484A2D-5E97-71D5-1AAB-1EBFEB8CC9D4}"/>
               </a:ext>
             </a:extLst>
           </p:cNvPr>
@@ -2427,7 +2427,7 @@
           <a:bodyPr/>
           <a:lstStyle/>
           <a:p>
-            <a:fld id="{0DEA6F05-A7C1-4A8C-B9E2-9F34F45C5368}" type="slidenum">
+            <a:fld id="{D9757EFF-6B4C-4CAB-9907-5606FD3A8154}" type="slidenum">
               <a:rPr lang="zh-CN" altLang="en-US" smtClean="0"/>
               <a:t>‹#›</a:t>
             </a:fld>
@@ -2438,7 +2438,7 @@
     </p:spTree>
     <p:extLst>
       <p:ext uri="{BB962C8B-B14F-4D97-AF65-F5344CB8AC3E}">
-        <p14:creationId xmlns:p14="http://schemas.microsoft.com/office/powerpoint/2010/main" val="2731707536"/>
+        <p14:creationId xmlns:p14="http://schemas.microsoft.com/office/powerpoint/2010/main" val="1380357719"/>
       </p:ext>
     </p:extLst>
   </p:cSld>
@@ -2470,7 +2470,7 @@
           <p:cNvPr id="2" name="标题 1">
             <a:extLst>
               <a:ext uri="{FF2B5EF4-FFF2-40B4-BE49-F238E27FC236}">
-                <a16:creationId xmlns:a16="http://schemas.microsoft.com/office/drawing/2014/main" id="{6E66D7B9-2CD2-1BE5-44A7-1CE040025F2F}"/>
+                <a16:creationId xmlns:a16="http://schemas.microsoft.com/office/drawing/2014/main" id="{59D1323D-2A02-D5F0-CE33-3075A6ACDF5B}"/>
               </a:ext>
             </a:extLst>
           </p:cNvPr>
@@ -2507,7 +2507,7 @@
           <p:cNvPr id="3" name="图片占位符 2">
             <a:extLst>
               <a:ext uri="{FF2B5EF4-FFF2-40B4-BE49-F238E27FC236}">
-                <a16:creationId xmlns:a16="http://schemas.microsoft.com/office/drawing/2014/main" id="{6AA242E5-D225-F62B-B72F-44994FA7E7E3}"/>
+                <a16:creationId xmlns:a16="http://schemas.microsoft.com/office/drawing/2014/main" id="{7E557B14-2401-7D87-6D09-06A6E3C2DB73}"/>
               </a:ext>
             </a:extLst>
           </p:cNvPr>
@@ -2574,7 +2574,7 @@
           <p:cNvPr id="4" name="文本占位符 3">
             <a:extLst>
               <a:ext uri="{FF2B5EF4-FFF2-40B4-BE49-F238E27FC236}">
-                <a16:creationId xmlns:a16="http://schemas.microsoft.com/office/drawing/2014/main" id="{D15BE339-CC8F-2ADC-110E-BA66360A574E}"/>
+                <a16:creationId xmlns:a16="http://schemas.microsoft.com/office/drawing/2014/main" id="{C8140BC0-2D42-32E2-3673-ABCA9724F60A}"/>
               </a:ext>
             </a:extLst>
           </p:cNvPr>
@@ -2645,7 +2645,7 @@
           <p:cNvPr id="5" name="日期占位符 4">
             <a:extLst>
               <a:ext uri="{FF2B5EF4-FFF2-40B4-BE49-F238E27FC236}">
-                <a16:creationId xmlns:a16="http://schemas.microsoft.com/office/drawing/2014/main" id="{C6EAFA22-3B22-0ABF-41DB-B730FB048BB7}"/>
+                <a16:creationId xmlns:a16="http://schemas.microsoft.com/office/drawing/2014/main" id="{55C8BC47-2A63-F7CC-E6F8-FE0D45797640}"/>
               </a:ext>
             </a:extLst>
           </p:cNvPr>
@@ -2661,7 +2661,7 @@
           <a:bodyPr/>
           <a:lstStyle/>
           <a:p>
-            <a:fld id="{B68B7653-7AEF-42AF-9335-546C56168CA3}" type="datetimeFigureOut">
+            <a:fld id="{560E4F45-57F9-4D06-BEDB-F3140C43AD89}" type="datetimeFigureOut">
               <a:rPr lang="zh-CN" altLang="en-US" smtClean="0"/>
               <a:t>2024/3/10</a:t>
             </a:fld>
@@ -2674,7 +2674,7 @@
           <p:cNvPr id="6" name="页脚占位符 5">
             <a:extLst>
               <a:ext uri="{FF2B5EF4-FFF2-40B4-BE49-F238E27FC236}">
-                <a16:creationId xmlns:a16="http://schemas.microsoft.com/office/drawing/2014/main" id="{8AF58EDD-7916-CE9E-4B70-EAAD705BD473}"/>
+                <a16:creationId xmlns:a16="http://schemas.microsoft.com/office/drawing/2014/main" id="{376D7C29-CAF8-5C74-B604-DB1B265E3931}"/>
               </a:ext>
             </a:extLst>
           </p:cNvPr>
@@ -2699,7 +2699,7 @@
           <p:cNvPr id="7" name="灯片编号占位符 6">
             <a:extLst>
               <a:ext uri="{FF2B5EF4-FFF2-40B4-BE49-F238E27FC236}">
-                <a16:creationId xmlns:a16="http://schemas.microsoft.com/office/drawing/2014/main" id="{C5D6DD5B-F033-CEA0-2809-18B1BD41A4E5}"/>
+                <a16:creationId xmlns:a16="http://schemas.microsoft.com/office/drawing/2014/main" id="{BE247D54-0B5A-9AA2-37BC-EEE8E91211D7}"/>
               </a:ext>
             </a:extLst>
           </p:cNvPr>
@@ -2715,7 +2715,7 @@
           <a:bodyPr/>
           <a:lstStyle/>
           <a:p>
-            <a:fld id="{0DEA6F05-A7C1-4A8C-B9E2-9F34F45C5368}" type="slidenum">
+            <a:fld id="{D9757EFF-6B4C-4CAB-9907-5606FD3A8154}" type="slidenum">
               <a:rPr lang="zh-CN" altLang="en-US" smtClean="0"/>
               <a:t>‹#›</a:t>
             </a:fld>
@@ -2726,7 +2726,7 @@
     </p:spTree>
     <p:extLst>
       <p:ext uri="{BB962C8B-B14F-4D97-AF65-F5344CB8AC3E}">
-        <p14:creationId xmlns:p14="http://schemas.microsoft.com/office/powerpoint/2010/main" val="3518895728"/>
+        <p14:creationId xmlns:p14="http://schemas.microsoft.com/office/powerpoint/2010/main" val="546308975"/>
       </p:ext>
     </p:extLst>
   </p:cSld>
@@ -2763,7 +2763,7 @@
           <p:cNvPr id="2" name="标题占位符 1">
             <a:extLst>
               <a:ext uri="{FF2B5EF4-FFF2-40B4-BE49-F238E27FC236}">
-                <a16:creationId xmlns:a16="http://schemas.microsoft.com/office/drawing/2014/main" id="{51118EED-99C7-4047-2AE7-10CFBD4F1022}"/>
+                <a16:creationId xmlns:a16="http://schemas.microsoft.com/office/drawing/2014/main" id="{C87F33F1-5CDE-223D-74EE-08A0606E70EA}"/>
               </a:ext>
             </a:extLst>
           </p:cNvPr>
@@ -2801,7 +2801,7 @@
           <p:cNvPr id="3" name="文本占位符 2">
             <a:extLst>
               <a:ext uri="{FF2B5EF4-FFF2-40B4-BE49-F238E27FC236}">
-                <a16:creationId xmlns:a16="http://schemas.microsoft.com/office/drawing/2014/main" id="{DB11B2C0-ACF2-6120-A881-885EB574926B}"/>
+                <a16:creationId xmlns:a16="http://schemas.microsoft.com/office/drawing/2014/main" id="{CAD02778-9FEA-F82C-E2B6-B1303D932913}"/>
               </a:ext>
             </a:extLst>
           </p:cNvPr>
@@ -2868,7 +2868,7 @@
           <p:cNvPr id="4" name="日期占位符 3">
             <a:extLst>
               <a:ext uri="{FF2B5EF4-FFF2-40B4-BE49-F238E27FC236}">
-                <a16:creationId xmlns:a16="http://schemas.microsoft.com/office/drawing/2014/main" id="{38AEC974-4C59-3721-4986-7B022C4E3C0D}"/>
+                <a16:creationId xmlns:a16="http://schemas.microsoft.com/office/drawing/2014/main" id="{07C1B9BD-10F4-0FE4-45A4-72425093B823}"/>
               </a:ext>
             </a:extLst>
           </p:cNvPr>
@@ -2902,7 +2902,7 @@
             </a:lvl1pPr>
           </a:lstStyle>
           <a:p>
-            <a:fld id="{B68B7653-7AEF-42AF-9335-546C56168CA3}" type="datetimeFigureOut">
+            <a:fld id="{560E4F45-57F9-4D06-BEDB-F3140C43AD89}" type="datetimeFigureOut">
               <a:rPr lang="zh-CN" altLang="en-US" smtClean="0"/>
               <a:t>2024/3/10</a:t>
             </a:fld>
@@ -2915,7 +2915,7 @@
           <p:cNvPr id="5" name="页脚占位符 4">
             <a:extLst>
               <a:ext uri="{FF2B5EF4-FFF2-40B4-BE49-F238E27FC236}">
-                <a16:creationId xmlns:a16="http://schemas.microsoft.com/office/drawing/2014/main" id="{EBA03E3C-F8EE-4ED3-E056-009A9C456544}"/>
+                <a16:creationId xmlns:a16="http://schemas.microsoft.com/office/drawing/2014/main" id="{EA516221-98DD-70F9-7148-5480C3F892E7}"/>
               </a:ext>
             </a:extLst>
           </p:cNvPr>
@@ -2958,7 +2958,7 @@
           <p:cNvPr id="6" name="灯片编号占位符 5">
             <a:extLst>
               <a:ext uri="{FF2B5EF4-FFF2-40B4-BE49-F238E27FC236}">
-                <a16:creationId xmlns:a16="http://schemas.microsoft.com/office/drawing/2014/main" id="{1EECD7C3-E878-97B0-DBA6-3E36E651C452}"/>
+                <a16:creationId xmlns:a16="http://schemas.microsoft.com/office/drawing/2014/main" id="{5535F6B0-366C-BB16-371C-5E2EA22FE572}"/>
               </a:ext>
             </a:extLst>
           </p:cNvPr>
@@ -2992,7 +2992,7 @@
             </a:lvl1pPr>
           </a:lstStyle>
           <a:p>
-            <a:fld id="{0DEA6F05-A7C1-4A8C-B9E2-9F34F45C5368}" type="slidenum">
+            <a:fld id="{D9757EFF-6B4C-4CAB-9907-5606FD3A8154}" type="slidenum">
               <a:rPr lang="zh-CN" altLang="en-US" smtClean="0"/>
               <a:t>‹#›</a:t>
             </a:fld>
@@ -3003,7 +3003,7 @@
     </p:spTree>
     <p:extLst>
       <p:ext uri="{BB962C8B-B14F-4D97-AF65-F5344CB8AC3E}">
-        <p14:creationId xmlns:p14="http://schemas.microsoft.com/office/powerpoint/2010/main" val="2687068325"/>
+        <p14:creationId xmlns:p14="http://schemas.microsoft.com/office/powerpoint/2010/main" val="3291510151"/>
       </p:ext>
     </p:extLst>
   </p:cSld>
@@ -3323,7 +3323,7 @@
       </p:grpSpPr>
       <p:pic>
         <p:nvPicPr>
-          <p:cNvPr id="1177602" name="Picture 2" descr="1149"/>
+          <p:cNvPr id="1178626" name="Picture 2" descr="1150"/>
           <p:cNvPicPr>
             <a:picLocks noChangeAspect="1" noChangeArrowheads="1"/>
           </p:cNvPicPr>
@@ -3344,8 +3344,8 @@
         </p:blipFill>
         <p:spPr bwMode="auto">
           <a:xfrm>
-            <a:off x="1543050" y="14288"/>
-            <a:ext cx="9124950" cy="6843712"/>
+            <a:off x="1524000" y="1"/>
+            <a:ext cx="9124950" cy="6843713"/>
           </a:xfrm>
           <a:prstGeom prst="rect">
             <a:avLst/>
@@ -3375,11 +3375,158 @@
           </a:extLst>
         </p:spPr>
       </p:pic>
+      <p:pic>
+        <p:nvPicPr>
+          <p:cNvPr id="1179651" name="Picture 3" descr="1150-5"/>
+          <p:cNvPicPr>
+            <a:picLocks noChangeAspect="1" noChangeArrowheads="1"/>
+          </p:cNvPicPr>
+          <p:nvPr/>
+        </p:nvPicPr>
+        <p:blipFill>
+          <a:blip r:embed="rId3">
+            <a:extLst>
+              <a:ext uri="{28A0092B-C50C-407E-A947-70E740481C1C}">
+                <a14:useLocalDpi xmlns:a14="http://schemas.microsoft.com/office/drawing/2010/main" val="0"/>
+              </a:ext>
+            </a:extLst>
+          </a:blip>
+          <a:srcRect/>
+          <a:stretch>
+            <a:fillRect/>
+          </a:stretch>
+        </p:blipFill>
+        <p:spPr bwMode="auto">
+          <a:xfrm>
+            <a:off x="1524000" y="0"/>
+            <a:ext cx="9144000" cy="6859588"/>
+          </a:xfrm>
+          <a:prstGeom prst="rect">
+            <a:avLst/>
+          </a:prstGeom>
+          <a:noFill/>
+          <a:ln>
+            <a:noFill/>
+          </a:ln>
+          <a:effectLst/>
+          <a:extLst>
+            <a:ext uri="{909E8E84-426E-40DD-AFC4-6F175D3DCCD1}">
+              <a14:hiddenFill xmlns:a14="http://schemas.microsoft.com/office/drawing/2010/main">
+                <a:solidFill>
+                  <a:srgbClr val="FFFFFF"/>
+                </a:solidFill>
+              </a14:hiddenFill>
+            </a:ext>
+            <a:ext uri="{91240B29-F687-4F45-9708-019B960494DF}">
+              <a14:hiddenLine xmlns:a14="http://schemas.microsoft.com/office/drawing/2010/main" w="9525">
+                <a:solidFill>
+                  <a:srgbClr val="000000"/>
+                </a:solidFill>
+                <a:miter lim="800000"/>
+                <a:headEnd/>
+                <a:tailEnd/>
+              </a14:hiddenLine>
+            </a:ext>
+            <a:ext uri="{AF507438-7753-43E0-B8FC-AC1667EBCBE1}">
+              <a14:hiddenEffects xmlns:a14="http://schemas.microsoft.com/office/drawing/2010/main">
+                <a:effectLst>
+                  <a:outerShdw dist="35921" dir="2700000" algn="ctr" rotWithShape="0">
+                    <a:srgbClr val="808080"/>
+                  </a:outerShdw>
+                </a:effectLst>
+              </a14:hiddenEffects>
+            </a:ext>
+          </a:extLst>
+        </p:spPr>
+      </p:pic>
     </p:spTree>
   </p:cSld>
   <p:clrMapOvr>
     <a:masterClrMapping/>
   </p:clrMapOvr>
+  <p:timing>
+    <p:tnLst>
+      <p:par>
+        <p:cTn id="1" dur="indefinite" restart="never" nodeType="tmRoot">
+          <p:childTnLst>
+            <p:seq concurrent="1" nextAc="seek">
+              <p:cTn id="2" dur="indefinite" nodeType="mainSeq">
+                <p:childTnLst>
+                  <p:par>
+                    <p:cTn id="3" fill="hold" nodeType="clickPar">
+                      <p:stCondLst>
+                        <p:cond delay="indefinite"/>
+                      </p:stCondLst>
+                      <p:childTnLst>
+                        <p:par>
+                          <p:cTn id="4" fill="hold" nodeType="withGroup">
+                            <p:stCondLst>
+                              <p:cond delay="0"/>
+                            </p:stCondLst>
+                            <p:childTnLst>
+                              <p:par>
+                                <p:cTn id="5" presetID="10" presetClass="entr" presetSubtype="0" fill="hold" nodeType="clickEffect">
+                                  <p:stCondLst>
+                                    <p:cond delay="0"/>
+                                  </p:stCondLst>
+                                  <p:childTnLst>
+                                    <p:set>
+                                      <p:cBhvr>
+                                        <p:cTn id="6" dur="1" fill="hold">
+                                          <p:stCondLst>
+                                            <p:cond delay="0"/>
+                                          </p:stCondLst>
+                                        </p:cTn>
+                                        <p:tgtEl>
+                                          <p:spTgt spid="1179651"/>
+                                        </p:tgtEl>
+                                        <p:attrNameLst>
+                                          <p:attrName>style.visibility</p:attrName>
+                                        </p:attrNameLst>
+                                      </p:cBhvr>
+                                      <p:to>
+                                        <p:strVal val="visible"/>
+                                      </p:to>
+                                    </p:set>
+                                    <p:animEffect transition="in" filter="fade">
+                                      <p:cBhvr>
+                                        <p:cTn id="7" dur="500"/>
+                                        <p:tgtEl>
+                                          <p:spTgt spid="1179651"/>
+                                        </p:tgtEl>
+                                      </p:cBhvr>
+                                    </p:animEffect>
+                                  </p:childTnLst>
+                                </p:cTn>
+                              </p:par>
+                            </p:childTnLst>
+                          </p:cTn>
+                        </p:par>
+                      </p:childTnLst>
+                    </p:cTn>
+                  </p:par>
+                </p:childTnLst>
+              </p:cTn>
+              <p:prevCondLst>
+                <p:cond evt="onPrev" delay="0">
+                  <p:tgtEl>
+                    <p:sldTgt/>
+                  </p:tgtEl>
+                </p:cond>
+              </p:prevCondLst>
+              <p:nextCondLst>
+                <p:cond evt="onNext" delay="0">
+                  <p:tgtEl>
+                    <p:sldTgt/>
+                  </p:tgtEl>
+                </p:cond>
+              </p:nextCondLst>
+            </p:seq>
+          </p:childTnLst>
+        </p:cTn>
+      </p:par>
+    </p:tnLst>
+  </p:timing>
 </p:sld>
 </file>
 
